--- a/Meilensteine/2. Meilenstein_präsentation.pptx
+++ b/Meilensteine/2. Meilenstein_präsentation.pptx
@@ -6,7 +6,9 @@
   </p:sldMasterIdLst>
   <p:sldIdLst>
     <p:sldId id="257" r:id="rId2"/>
-    <p:sldId id="301" r:id="rId3"/>
+    <p:sldId id="303" r:id="rId3"/>
+    <p:sldId id="302" r:id="rId4"/>
+    <p:sldId id="301" r:id="rId5"/>
   </p:sldIdLst>
   <p:sldSz cx="12192000" cy="6858000"/>
   <p:notesSz cx="6858000" cy="9144000"/>
@@ -105,6 +107,11 @@
       </a:defRPr>
     </a:lvl9pPr>
   </p:defaultTextStyle>
+  <p:extLst>
+    <p:ext uri="{EFAFB233-063F-42B5-8137-9DF3F51BA10A}">
+      <p15:sldGuideLst xmlns:p15="http://schemas.microsoft.com/office/powerpoint/2012/main"/>
+    </p:ext>
+  </p:extLst>
 </p:presentation>
 </file>
 
@@ -257,7 +264,7 @@
           <a:p>
             <a:fld id="{CC7344A8-8A49-4063-818F-DF01F9C7DEC2}" type="datetimeFigureOut">
               <a:rPr lang="de-AT" smtClean="0"/>
-              <a:t>01.12.2022</a:t>
+              <a:t>04.12.2022</a:t>
             </a:fld>
             <a:endParaRPr lang="de-AT"/>
           </a:p>
@@ -457,7 +464,7 @@
           <a:p>
             <a:fld id="{CC7344A8-8A49-4063-818F-DF01F9C7DEC2}" type="datetimeFigureOut">
               <a:rPr lang="de-AT" smtClean="0"/>
-              <a:t>01.12.2022</a:t>
+              <a:t>04.12.2022</a:t>
             </a:fld>
             <a:endParaRPr lang="de-AT"/>
           </a:p>
@@ -667,7 +674,7 @@
           <a:p>
             <a:fld id="{CC7344A8-8A49-4063-818F-DF01F9C7DEC2}" type="datetimeFigureOut">
               <a:rPr lang="de-AT" smtClean="0"/>
-              <a:t>01.12.2022</a:t>
+              <a:t>04.12.2022</a:t>
             </a:fld>
             <a:endParaRPr lang="de-AT"/>
           </a:p>
@@ -867,7 +874,7 @@
           <a:p>
             <a:fld id="{CC7344A8-8A49-4063-818F-DF01F9C7DEC2}" type="datetimeFigureOut">
               <a:rPr lang="de-AT" smtClean="0"/>
-              <a:t>01.12.2022</a:t>
+              <a:t>04.12.2022</a:t>
             </a:fld>
             <a:endParaRPr lang="de-AT"/>
           </a:p>
@@ -1143,7 +1150,7 @@
           <a:p>
             <a:fld id="{CC7344A8-8A49-4063-818F-DF01F9C7DEC2}" type="datetimeFigureOut">
               <a:rPr lang="de-AT" smtClean="0"/>
-              <a:t>01.12.2022</a:t>
+              <a:t>04.12.2022</a:t>
             </a:fld>
             <a:endParaRPr lang="de-AT"/>
           </a:p>
@@ -1411,7 +1418,7 @@
           <a:p>
             <a:fld id="{CC7344A8-8A49-4063-818F-DF01F9C7DEC2}" type="datetimeFigureOut">
               <a:rPr lang="de-AT" smtClean="0"/>
-              <a:t>01.12.2022</a:t>
+              <a:t>04.12.2022</a:t>
             </a:fld>
             <a:endParaRPr lang="de-AT"/>
           </a:p>
@@ -1826,7 +1833,7 @@
           <a:p>
             <a:fld id="{CC7344A8-8A49-4063-818F-DF01F9C7DEC2}" type="datetimeFigureOut">
               <a:rPr lang="de-AT" smtClean="0"/>
-              <a:t>01.12.2022</a:t>
+              <a:t>04.12.2022</a:t>
             </a:fld>
             <a:endParaRPr lang="de-AT"/>
           </a:p>
@@ -1968,7 +1975,7 @@
           <a:p>
             <a:fld id="{CC7344A8-8A49-4063-818F-DF01F9C7DEC2}" type="datetimeFigureOut">
               <a:rPr lang="de-AT" smtClean="0"/>
-              <a:t>01.12.2022</a:t>
+              <a:t>04.12.2022</a:t>
             </a:fld>
             <a:endParaRPr lang="de-AT"/>
           </a:p>
@@ -2081,7 +2088,7 @@
           <a:p>
             <a:fld id="{CC7344A8-8A49-4063-818F-DF01F9C7DEC2}" type="datetimeFigureOut">
               <a:rPr lang="de-AT" smtClean="0"/>
-              <a:t>01.12.2022</a:t>
+              <a:t>04.12.2022</a:t>
             </a:fld>
             <a:endParaRPr lang="de-AT"/>
           </a:p>
@@ -2394,7 +2401,7 @@
           <a:p>
             <a:fld id="{CC7344A8-8A49-4063-818F-DF01F9C7DEC2}" type="datetimeFigureOut">
               <a:rPr lang="de-AT" smtClean="0"/>
-              <a:t>01.12.2022</a:t>
+              <a:t>04.12.2022</a:t>
             </a:fld>
             <a:endParaRPr lang="de-AT"/>
           </a:p>
@@ -2683,7 +2690,7 @@
           <a:p>
             <a:fld id="{CC7344A8-8A49-4063-818F-DF01F9C7DEC2}" type="datetimeFigureOut">
               <a:rPr lang="de-AT" smtClean="0"/>
-              <a:t>01.12.2022</a:t>
+              <a:t>04.12.2022</a:t>
             </a:fld>
             <a:endParaRPr lang="de-AT"/>
           </a:p>
@@ -2926,7 +2933,7 @@
           <a:p>
             <a:fld id="{CC7344A8-8A49-4063-818F-DF01F9C7DEC2}" type="datetimeFigureOut">
               <a:rPr lang="de-AT" smtClean="0"/>
-              <a:t>01.12.2022</a:t>
+              <a:t>04.12.2022</a:t>
             </a:fld>
             <a:endParaRPr lang="de-AT"/>
           </a:p>
@@ -4126,6 +4133,400 @@
           <a:chExt cx="0" cy="0"/>
         </a:xfrm>
       </p:grpSpPr>
+      <p:pic>
+        <p:nvPicPr>
+          <p:cNvPr id="10" name="Grafik 9">
+            <a:extLst>
+              <a:ext uri="{FF2B5EF4-FFF2-40B4-BE49-F238E27FC236}">
+                <a16:creationId xmlns:a16="http://schemas.microsoft.com/office/drawing/2014/main" id="{F05F47F3-32CD-1BCF-DF1A-3E471D839AD7}"/>
+              </a:ext>
+            </a:extLst>
+          </p:cNvPr>
+          <p:cNvPicPr>
+            <a:picLocks noChangeAspect="1"/>
+          </p:cNvPicPr>
+          <p:nvPr/>
+        </p:nvPicPr>
+        <p:blipFill>
+          <a:blip r:embed="rId2">
+            <a:clrChange>
+              <a:clrFrom>
+                <a:srgbClr val="FAFAFB"/>
+              </a:clrFrom>
+              <a:clrTo>
+                <a:srgbClr val="FAFAFB">
+                  <a:alpha val="0"/>
+                </a:srgbClr>
+              </a:clrTo>
+            </a:clrChange>
+          </a:blip>
+          <a:stretch>
+            <a:fillRect/>
+          </a:stretch>
+        </p:blipFill>
+        <p:spPr>
+          <a:xfrm>
+            <a:off x="4085439" y="1119565"/>
+            <a:ext cx="8106561" cy="5738435"/>
+          </a:xfrm>
+          <a:prstGeom prst="rect">
+            <a:avLst/>
+          </a:prstGeom>
+        </p:spPr>
+      </p:pic>
+      <p:sp>
+        <p:nvSpPr>
+          <p:cNvPr id="2" name="Titel 1">
+            <a:extLst>
+              <a:ext uri="{FF2B5EF4-FFF2-40B4-BE49-F238E27FC236}">
+                <a16:creationId xmlns:a16="http://schemas.microsoft.com/office/drawing/2014/main" id="{CCAE9465-6B0E-C244-137D-4C98C0668160}"/>
+              </a:ext>
+            </a:extLst>
+          </p:cNvPr>
+          <p:cNvSpPr>
+            <a:spLocks noGrp="1"/>
+          </p:cNvSpPr>
+          <p:nvPr>
+            <p:ph type="title"/>
+          </p:nvPr>
+        </p:nvSpPr>
+        <p:spPr>
+          <a:xfrm>
+            <a:off x="628475" y="927187"/>
+            <a:ext cx="10515600" cy="1325563"/>
+          </a:xfrm>
+        </p:spPr>
+        <p:txBody>
+          <a:bodyPr/>
+          <a:lstStyle/>
+          <a:p>
+            <a:r>
+              <a:rPr lang="de-AT" dirty="0"/>
+              <a:t>Berechnung der Solarpaneele BB/SB </a:t>
+            </a:r>
+          </a:p>
+        </p:txBody>
+      </p:sp>
+      <mc:AlternateContent xmlns:mc="http://schemas.openxmlformats.org/markup-compatibility/2006">
+        <mc:Choice xmlns:am3d="http://schemas.microsoft.com/office/drawing/2017/model3d" Requires="am3d">
+          <p:graphicFrame>
+            <p:nvGraphicFramePr>
+              <p:cNvPr id="4" name="3D-Modell 3">
+                <a:extLst>
+                  <a:ext uri="{FF2B5EF4-FFF2-40B4-BE49-F238E27FC236}">
+                    <a16:creationId xmlns:a16="http://schemas.microsoft.com/office/drawing/2014/main" id="{49923322-8490-F40B-DE5E-21CDEA4C602B}"/>
+                  </a:ext>
+                </a:extLst>
+              </p:cNvPr>
+              <p:cNvGraphicFramePr>
+                <a:graphicFrameLocks noChangeAspect="1"/>
+              </p:cNvGraphicFramePr>
+              <p:nvPr>
+                <p:extLst>
+                  <p:ext uri="{D42A27DB-BD31-4B8C-83A1-F6EECF244321}">
+                    <p14:modId xmlns:p14="http://schemas.microsoft.com/office/powerpoint/2010/main" val="2133927219"/>
+                  </p:ext>
+                </p:extLst>
+              </p:nvPr>
+            </p:nvGraphicFramePr>
+            <p:xfrm rot="16200000">
+              <a:off x="1277580" y="2005448"/>
+              <a:ext cx="3233719" cy="3887332"/>
+            </p:xfrm>
+            <a:graphic>
+              <a:graphicData uri="http://schemas.microsoft.com/office/drawing/2017/model3d">
+                <am3d:model3d r:embed="rId3">
+                  <am3d:spPr>
+                    <a:xfrm rot="16200000">
+                      <a:off x="0" y="0"/>
+                      <a:ext cx="3233719" cy="3887332"/>
+                    </a:xfrm>
+                    <a:prstGeom prst="rect">
+                      <a:avLst/>
+                    </a:prstGeom>
+                  </am3d:spPr>
+                  <am3d:camera>
+                    <am3d:pos x="0" y="0" z="55005485"/>
+                    <am3d:up dx="0" dy="36000000" dz="0"/>
+                    <am3d:lookAt x="0" y="0" z="0"/>
+                    <am3d:perspective fov="2700000"/>
+                  </am3d:camera>
+                  <am3d:trans>
+                    <am3d:meterPerModelUnit n="626017" d="1000000"/>
+                    <am3d:preTrans dx="-17323902" dy="-6310253" dz="7103959"/>
+                    <am3d:scale>
+                      <am3d:sx n="1000000" d="1000000"/>
+                      <am3d:sy n="1000000" d="1000000"/>
+                      <am3d:sz n="1000000" d="1000000"/>
+                    </am3d:scale>
+                    <am3d:rot ax="4435417" ay="4286149" az="-6414661"/>
+                    <am3d:postTrans dx="0" dy="0" dz="0"/>
+                  </am3d:trans>
+                  <am3d:raster rName="Office3DRenderer" rVer="16.0.8326">
+                    <am3d:blip r:embed="rId4"/>
+                  </am3d:raster>
+                  <am3d:objViewport viewportSz="5418663"/>
+                  <am3d:ambientLight>
+                    <am3d:clr>
+                      <a:scrgbClr r="50000" g="50000" b="50000"/>
+                    </am3d:clr>
+                    <am3d:illuminance n="500000" d="1000000"/>
+                  </am3d:ambientLight>
+                  <am3d:ptLight rad="0">
+                    <am3d:clr>
+                      <a:scrgbClr r="100000" g="75000" b="50000"/>
+                    </am3d:clr>
+                    <am3d:intensity n="9765625" d="1000000"/>
+                    <am3d:pos x="21959998" y="70920001" z="16344003"/>
+                  </am3d:ptLight>
+                  <am3d:ptLight rad="0">
+                    <am3d:clr>
+                      <a:scrgbClr r="40000" g="60000" b="95000"/>
+                    </am3d:clr>
+                    <am3d:intensity n="12250000" d="1000000"/>
+                    <am3d:pos x="-37964106" y="51130435" z="57631972"/>
+                  </am3d:ptLight>
+                  <am3d:ptLight rad="0">
+                    <am3d:clr>
+                      <a:scrgbClr r="86837" g="72700" b="100000"/>
+                    </am3d:clr>
+                    <am3d:intensity n="3125000" d="1000000"/>
+                    <am3d:pos x="-37739122" y="58056624" z="-34769649"/>
+                  </am3d:ptLight>
+                </am3d:model3d>
+              </a:graphicData>
+            </a:graphic>
+          </p:graphicFrame>
+        </mc:Choice>
+        <mc:Fallback>
+          <p:pic>
+            <p:nvPicPr>
+              <p:cNvPr id="4" name="3D-Modell 3">
+                <a:extLst>
+                  <a:ext uri="{FF2B5EF4-FFF2-40B4-BE49-F238E27FC236}">
+                    <a16:creationId xmlns:a16="http://schemas.microsoft.com/office/drawing/2014/main" id="{49923322-8490-F40B-DE5E-21CDEA4C602B}"/>
+                  </a:ext>
+                </a:extLst>
+              </p:cNvPr>
+              <p:cNvPicPr>
+                <a:picLocks noGrp="1" noRot="1" noChangeAspect="1" noMove="1" noResize="1" noEditPoints="1" noAdjustHandles="1" noChangeArrowheads="1" noChangeShapeType="1" noCrop="1"/>
+              </p:cNvPicPr>
+              <p:nvPr/>
+            </p:nvPicPr>
+            <p:blipFill>
+              <a:blip r:embed="rId4"/>
+              <a:stretch>
+                <a:fillRect/>
+              </a:stretch>
+            </p:blipFill>
+            <p:spPr>
+              <a:xfrm rot="16200000">
+                <a:off x="1277580" y="2005448"/>
+                <a:ext cx="3233719" cy="3887332"/>
+              </a:xfrm>
+              <a:prstGeom prst="rect">
+                <a:avLst/>
+              </a:prstGeom>
+            </p:spPr>
+          </p:pic>
+        </mc:Fallback>
+      </mc:AlternateContent>
+    </p:spTree>
+    <p:extLst>
+      <p:ext uri="{BB962C8B-B14F-4D97-AF65-F5344CB8AC3E}">
+        <p14:creationId xmlns:p14="http://schemas.microsoft.com/office/powerpoint/2010/main" val="1074859390"/>
+      </p:ext>
+    </p:extLst>
+  </p:cSld>
+  <p:clrMapOvr>
+    <a:masterClrMapping/>
+  </p:clrMapOvr>
+</p:sld>
+</file>
+
+<file path=ppt/slides/slide3.xml><?xml version="1.0" encoding="utf-8"?>
+<p:sld xmlns:a="http://schemas.openxmlformats.org/drawingml/2006/main" xmlns:r="http://schemas.openxmlformats.org/officeDocument/2006/relationships" xmlns:p="http://schemas.openxmlformats.org/presentationml/2006/main">
+  <p:cSld>
+    <p:spTree>
+      <p:nvGrpSpPr>
+        <p:cNvPr id="1" name=""/>
+        <p:cNvGrpSpPr/>
+        <p:nvPr/>
+      </p:nvGrpSpPr>
+      <p:grpSpPr>
+        <a:xfrm>
+          <a:off x="0" y="0"/>
+          <a:ext cx="0" cy="0"/>
+          <a:chOff x="0" y="0"/>
+          <a:chExt cx="0" cy="0"/>
+        </a:xfrm>
+      </p:grpSpPr>
+      <mc:AlternateContent xmlns:mc="http://schemas.openxmlformats.org/markup-compatibility/2006">
+        <mc:Choice xmlns:am3d="http://schemas.microsoft.com/office/drawing/2017/model3d" Requires="am3d">
+          <p:graphicFrame>
+            <p:nvGraphicFramePr>
+              <p:cNvPr id="6" name="3D-Modell 5">
+                <a:extLst>
+                  <a:ext uri="{FF2B5EF4-FFF2-40B4-BE49-F238E27FC236}">
+                    <a16:creationId xmlns:a16="http://schemas.microsoft.com/office/drawing/2014/main" id="{A723AA50-A264-5730-40BF-76C16F29FCA0}"/>
+                  </a:ext>
+                </a:extLst>
+              </p:cNvPr>
+              <p:cNvGraphicFramePr>
+                <a:graphicFrameLocks noChangeAspect="1"/>
+              </p:cNvGraphicFramePr>
+              <p:nvPr>
+                <p:extLst>
+                  <p:ext uri="{D42A27DB-BD31-4B8C-83A1-F6EECF244321}">
+                    <p14:modId xmlns:p14="http://schemas.microsoft.com/office/powerpoint/2010/main" val="883760508"/>
+                  </p:ext>
+                </p:extLst>
+              </p:nvPr>
+            </p:nvGraphicFramePr>
+            <p:xfrm rot="16200000">
+              <a:off x="4194068" y="1568676"/>
+              <a:ext cx="2746845" cy="2646852"/>
+            </p:xfrm>
+            <a:graphic>
+              <a:graphicData uri="http://schemas.microsoft.com/office/drawing/2017/model3d">
+                <am3d:model3d r:embed="rId2">
+                  <am3d:spPr>
+                    <a:xfrm rot="16200000">
+                      <a:off x="0" y="0"/>
+                      <a:ext cx="2746845" cy="2646852"/>
+                    </a:xfrm>
+                    <a:prstGeom prst="rect">
+                      <a:avLst/>
+                    </a:prstGeom>
+                  </am3d:spPr>
+                  <am3d:camera>
+                    <am3d:pos x="0" y="0" z="55005485"/>
+                    <am3d:up dx="0" dy="36000000" dz="0"/>
+                    <am3d:lookAt x="0" y="0" z="0"/>
+                    <am3d:perspective fov="2700000"/>
+                  </am3d:camera>
+                  <am3d:trans>
+                    <am3d:meterPerModelUnit n="626017" d="1000000"/>
+                    <am3d:preTrans dx="-17323902" dy="-6310253" dz="7103959"/>
+                    <am3d:scale>
+                      <am3d:sx n="1000000" d="1000000"/>
+                      <am3d:sy n="1000000" d="1000000"/>
+                      <am3d:sz n="1000000" d="1000000"/>
+                    </am3d:scale>
+                    <am3d:rot ay="16200000"/>
+                    <am3d:postTrans dx="0" dy="0" dz="0"/>
+                  </am3d:trans>
+                  <am3d:raster rName="Office3DRenderer" rVer="16.0.8326">
+                    <am3d:blip r:embed="rId3"/>
+                  </am3d:raster>
+                  <am3d:objViewport viewportSz="5418662"/>
+                  <am3d:ambientLight>
+                    <am3d:clr>
+                      <a:scrgbClr r="50000" g="50000" b="50000"/>
+                    </am3d:clr>
+                    <am3d:illuminance n="500000" d="1000000"/>
+                  </am3d:ambientLight>
+                  <am3d:ptLight rad="0">
+                    <am3d:clr>
+                      <a:scrgbClr r="100000" g="75000" b="50000"/>
+                    </am3d:clr>
+                    <am3d:intensity n="9765625" d="1000000"/>
+                    <am3d:pos x="21959998" y="70920001" z="16344003"/>
+                  </am3d:ptLight>
+                  <am3d:ptLight rad="0">
+                    <am3d:clr>
+                      <a:scrgbClr r="40000" g="60000" b="95000"/>
+                    </am3d:clr>
+                    <am3d:intensity n="12250000" d="1000000"/>
+                    <am3d:pos x="-37964106" y="51130435" z="57631972"/>
+                  </am3d:ptLight>
+                  <am3d:ptLight rad="0">
+                    <am3d:clr>
+                      <a:scrgbClr r="86837" g="72700" b="100000"/>
+                    </am3d:clr>
+                    <am3d:intensity n="3125000" d="1000000"/>
+                    <am3d:pos x="-37739122" y="58056624" z="-34769649"/>
+                  </am3d:ptLight>
+                </am3d:model3d>
+              </a:graphicData>
+            </a:graphic>
+          </p:graphicFrame>
+        </mc:Choice>
+        <mc:Fallback>
+          <p:pic>
+            <p:nvPicPr>
+              <p:cNvPr id="6" name="3D-Modell 5">
+                <a:extLst>
+                  <a:ext uri="{FF2B5EF4-FFF2-40B4-BE49-F238E27FC236}">
+                    <a16:creationId xmlns:a16="http://schemas.microsoft.com/office/drawing/2014/main" id="{A723AA50-A264-5730-40BF-76C16F29FCA0}"/>
+                  </a:ext>
+                </a:extLst>
+              </p:cNvPr>
+              <p:cNvPicPr>
+                <a:picLocks noGrp="1" noRot="1" noChangeAspect="1" noMove="1" noResize="1" noEditPoints="1" noAdjustHandles="1" noChangeArrowheads="1" noChangeShapeType="1" noCrop="1"/>
+              </p:cNvPicPr>
+              <p:nvPr/>
+            </p:nvPicPr>
+            <p:blipFill>
+              <a:blip r:embed="rId3"/>
+              <a:stretch>
+                <a:fillRect/>
+              </a:stretch>
+            </p:blipFill>
+            <p:spPr>
+              <a:xfrm rot="16200000">
+                <a:off x="4194068" y="1568676"/>
+                <a:ext cx="2746845" cy="2646852"/>
+              </a:xfrm>
+              <a:prstGeom prst="rect">
+                <a:avLst/>
+              </a:prstGeom>
+            </p:spPr>
+          </p:pic>
+        </mc:Fallback>
+      </mc:AlternateContent>
+    </p:spTree>
+    <p:extLst>
+      <p:ext uri="{BB962C8B-B14F-4D97-AF65-F5344CB8AC3E}">
+        <p14:creationId xmlns:p14="http://schemas.microsoft.com/office/powerpoint/2010/main" val="2984864142"/>
+      </p:ext>
+    </p:extLst>
+  </p:cSld>
+  <p:clrMapOvr>
+    <a:masterClrMapping/>
+  </p:clrMapOvr>
+  <mc:AlternateContent xmlns:mc="http://schemas.openxmlformats.org/markup-compatibility/2006">
+    <mc:Choice xmlns:p159="http://schemas.microsoft.com/office/powerpoint/2015/09/main" Requires="p159">
+      <p:transition xmlns:p14="http://schemas.microsoft.com/office/powerpoint/2010/main" spd="slow" p14:dur="2000">
+        <p159:morph option="byObject"/>
+      </p:transition>
+    </mc:Choice>
+    <mc:Fallback>
+      <p:transition spd="slow">
+        <p:fade/>
+      </p:transition>
+    </mc:Fallback>
+  </mc:AlternateContent>
+</p:sld>
+</file>
+
+<file path=ppt/slides/slide4.xml><?xml version="1.0" encoding="utf-8"?>
+<p:sld xmlns:a="http://schemas.openxmlformats.org/drawingml/2006/main" xmlns:r="http://schemas.openxmlformats.org/officeDocument/2006/relationships" xmlns:p="http://schemas.openxmlformats.org/presentationml/2006/main">
+  <p:cSld>
+    <p:spTree>
+      <p:nvGrpSpPr>
+        <p:cNvPr id="1" name=""/>
+        <p:cNvGrpSpPr/>
+        <p:nvPr/>
+      </p:nvGrpSpPr>
+      <p:grpSpPr>
+        <a:xfrm>
+          <a:off x="0" y="0"/>
+          <a:ext cx="0" cy="0"/>
+          <a:chOff x="0" y="0"/>
+          <a:chExt cx="0" cy="0"/>
+        </a:xfrm>
+      </p:grpSpPr>
       <p:sp>
         <p:nvSpPr>
           <p:cNvPr id="2" name="Titel 1">

--- a/Meilensteine/2. Meilenstein_präsentation.pptx
+++ b/Meilensteine/2. Meilenstein_präsentation.pptx
@@ -8,7 +8,13 @@
     <p:sldId id="257" r:id="rId2"/>
     <p:sldId id="303" r:id="rId3"/>
     <p:sldId id="302" r:id="rId4"/>
-    <p:sldId id="301" r:id="rId5"/>
+    <p:sldId id="304" r:id="rId5"/>
+    <p:sldId id="305" r:id="rId6"/>
+    <p:sldId id="306" r:id="rId7"/>
+    <p:sldId id="307" r:id="rId8"/>
+    <p:sldId id="308" r:id="rId9"/>
+    <p:sldId id="309" r:id="rId10"/>
+    <p:sldId id="301" r:id="rId11"/>
   </p:sldIdLst>
   <p:sldSz cx="12192000" cy="6858000"/>
   <p:notesSz cx="6858000" cy="9144000"/>
@@ -4116,6 +4122,141 @@
 </p:sld>
 </file>
 
+<file path=ppt/slides/slide10.xml><?xml version="1.0" encoding="utf-8"?>
+<p:sld xmlns:a="http://schemas.openxmlformats.org/drawingml/2006/main" xmlns:r="http://schemas.openxmlformats.org/officeDocument/2006/relationships" xmlns:p="http://schemas.openxmlformats.org/presentationml/2006/main">
+  <p:cSld>
+    <p:spTree>
+      <p:nvGrpSpPr>
+        <p:cNvPr id="1" name=""/>
+        <p:cNvGrpSpPr/>
+        <p:nvPr/>
+      </p:nvGrpSpPr>
+      <p:grpSpPr>
+        <a:xfrm>
+          <a:off x="0" y="0"/>
+          <a:ext cx="0" cy="0"/>
+          <a:chOff x="0" y="0"/>
+          <a:chExt cx="0" cy="0"/>
+        </a:xfrm>
+      </p:grpSpPr>
+      <p:sp>
+        <p:nvSpPr>
+          <p:cNvPr id="2" name="Titel 1">
+            <a:extLst>
+              <a:ext uri="{FF2B5EF4-FFF2-40B4-BE49-F238E27FC236}">
+                <a16:creationId xmlns:a16="http://schemas.microsoft.com/office/drawing/2014/main" id="{4A1E9A26-2185-6098-0376-BB54B2EA0571}"/>
+              </a:ext>
+            </a:extLst>
+          </p:cNvPr>
+          <p:cNvSpPr>
+            <a:spLocks noGrp="1"/>
+          </p:cNvSpPr>
+          <p:nvPr>
+            <p:ph type="ctrTitle"/>
+          </p:nvPr>
+        </p:nvSpPr>
+        <p:spPr>
+          <a:xfrm>
+            <a:off x="1529365" y="1557687"/>
+            <a:ext cx="9133268" cy="1231781"/>
+          </a:xfrm>
+        </p:spPr>
+        <p:txBody>
+          <a:bodyPr>
+            <a:normAutofit fontScale="90000"/>
+          </a:bodyPr>
+          <a:lstStyle/>
+          <a:p>
+            <a:r>
+              <a:rPr lang="de-AT" dirty="0"/>
+              <a:t>Danke für die Aufmerksamkeit</a:t>
+            </a:r>
+          </a:p>
+        </p:txBody>
+      </p:sp>
+      <p:sp>
+        <p:nvSpPr>
+          <p:cNvPr id="3" name="Untertitel 2">
+            <a:extLst>
+              <a:ext uri="{FF2B5EF4-FFF2-40B4-BE49-F238E27FC236}">
+                <a16:creationId xmlns:a16="http://schemas.microsoft.com/office/drawing/2014/main" id="{EE14F92C-FA73-1B7E-37AF-588B8BC8DBF2}"/>
+              </a:ext>
+            </a:extLst>
+          </p:cNvPr>
+          <p:cNvSpPr>
+            <a:spLocks noGrp="1"/>
+          </p:cNvSpPr>
+          <p:nvPr>
+            <p:ph type="subTitle" idx="1"/>
+          </p:nvPr>
+        </p:nvSpPr>
+        <p:spPr>
+          <a:xfrm>
+            <a:off x="8306511" y="5716173"/>
+            <a:ext cx="3375889" cy="607715"/>
+          </a:xfrm>
+        </p:spPr>
+        <p:txBody>
+          <a:bodyPr/>
+          <a:lstStyle/>
+          <a:p>
+            <a:r>
+              <a:rPr lang="de-AT"/>
+              <a:t>Konrad J. / Schauer A.</a:t>
+            </a:r>
+            <a:endParaRPr lang="de-AT" dirty="0"/>
+          </a:p>
+        </p:txBody>
+      </p:sp>
+      <p:pic>
+        <p:nvPicPr>
+          <p:cNvPr id="6" name="Grafik 5" descr="Ein Bild, das Wasser, draußen, Himmel, Transport enthält.">
+            <a:extLst>
+              <a:ext uri="{FF2B5EF4-FFF2-40B4-BE49-F238E27FC236}">
+                <a16:creationId xmlns:a16="http://schemas.microsoft.com/office/drawing/2014/main" id="{0765E8D8-0F9E-8E03-8C36-0252A02DF33A}"/>
+              </a:ext>
+            </a:extLst>
+          </p:cNvPr>
+          <p:cNvPicPr>
+            <a:picLocks noChangeAspect="1"/>
+          </p:cNvPicPr>
+          <p:nvPr/>
+        </p:nvPicPr>
+        <p:blipFill rotWithShape="1">
+          <a:blip r:embed="rId2">
+            <a:alphaModFix amt="40000"/>
+            <a:extLst>
+              <a:ext uri="{28A0092B-C50C-407E-A947-70E740481C1C}">
+                <a14:useLocalDpi xmlns:a14="http://schemas.microsoft.com/office/drawing/2010/main" val="0"/>
+              </a:ext>
+            </a:extLst>
+          </a:blip>
+          <a:srcRect l="12443" t="31930" r="19667" b="11674"/>
+          <a:stretch/>
+        </p:blipFill>
+        <p:spPr>
+          <a:xfrm>
+            <a:off x="0" y="1174458"/>
+            <a:ext cx="12192000" cy="5683542"/>
+          </a:xfrm>
+          <a:prstGeom prst="rect">
+            <a:avLst/>
+          </a:prstGeom>
+        </p:spPr>
+      </p:pic>
+    </p:spTree>
+    <p:extLst>
+      <p:ext uri="{BB962C8B-B14F-4D97-AF65-F5344CB8AC3E}">
+        <p14:creationId xmlns:p14="http://schemas.microsoft.com/office/powerpoint/2010/main" val="2107984865"/>
+      </p:ext>
+    </p:extLst>
+  </p:cSld>
+  <p:clrMapOvr>
+    <a:masterClrMapping/>
+  </p:clrMapOvr>
+</p:sld>
+</file>
+
 <file path=ppt/slides/slide2.xml><?xml version="1.0" encoding="utf-8"?>
 <p:sld xmlns:a="http://schemas.openxmlformats.org/drawingml/2006/main" xmlns:r="http://schemas.openxmlformats.org/officeDocument/2006/relationships" xmlns:p="http://schemas.openxmlformats.org/presentationml/2006/main">
   <p:cSld>
@@ -4495,13 +4636,13 @@
   <p:clrMapOvr>
     <a:masterClrMapping/>
   </p:clrMapOvr>
-  <mc:AlternateContent xmlns:mc="http://schemas.openxmlformats.org/markup-compatibility/2006">
-    <mc:Choice xmlns:p159="http://schemas.microsoft.com/office/powerpoint/2015/09/main" Requires="p159">
+  <mc:AlternateContent xmlns:mc="http://schemas.openxmlformats.org/markup-compatibility/2006" xmlns:p159="http://schemas.microsoft.com/office/powerpoint/2015/09/main">
+    <mc:Choice Requires="p159">
       <p:transition xmlns:p14="http://schemas.microsoft.com/office/powerpoint/2010/main" spd="slow" p14:dur="2000">
         <p159:morph option="byObject"/>
       </p:transition>
     </mc:Choice>
-    <mc:Fallback>
+    <mc:Fallback xmlns="">
       <p:transition spd="slow">
         <p:fade/>
       </p:transition>
@@ -4532,76 +4673,253 @@
           <p:cNvPr id="2" name="Titel 1">
             <a:extLst>
               <a:ext uri="{FF2B5EF4-FFF2-40B4-BE49-F238E27FC236}">
-                <a16:creationId xmlns:a16="http://schemas.microsoft.com/office/drawing/2014/main" id="{4A1E9A26-2185-6098-0376-BB54B2EA0571}"/>
-              </a:ext>
-            </a:extLst>
-          </p:cNvPr>
-          <p:cNvSpPr>
-            <a:spLocks noGrp="1"/>
-          </p:cNvSpPr>
-          <p:nvPr>
-            <p:ph type="ctrTitle"/>
+                <a16:creationId xmlns:a16="http://schemas.microsoft.com/office/drawing/2014/main" id="{E1F16B3F-CCF3-BF50-186F-B315739FAE7E}"/>
+              </a:ext>
+            </a:extLst>
+          </p:cNvPr>
+          <p:cNvSpPr>
+            <a:spLocks noGrp="1"/>
+          </p:cNvSpPr>
+          <p:nvPr>
+            <p:ph type="title"/>
           </p:nvPr>
         </p:nvSpPr>
         <p:spPr>
           <a:xfrm>
-            <a:off x="1529365" y="1557687"/>
-            <a:ext cx="9133268" cy="1231781"/>
+            <a:off x="665672" y="1098370"/>
+            <a:ext cx="10515600" cy="1325563"/>
           </a:xfrm>
         </p:spPr>
         <p:txBody>
-          <a:bodyPr>
-            <a:normAutofit fontScale="90000"/>
-          </a:bodyPr>
+          <a:bodyPr/>
           <a:lstStyle/>
           <a:p>
             <a:r>
               <a:rPr lang="de-AT" dirty="0"/>
-              <a:t>Danke für die Aufmerksamkeit</a:t>
-            </a:r>
-          </a:p>
-        </p:txBody>
-      </p:sp>
-      <p:sp>
-        <p:nvSpPr>
-          <p:cNvPr id="3" name="Untertitel 2">
-            <a:extLst>
-              <a:ext uri="{FF2B5EF4-FFF2-40B4-BE49-F238E27FC236}">
-                <a16:creationId xmlns:a16="http://schemas.microsoft.com/office/drawing/2014/main" id="{EE14F92C-FA73-1B7E-37AF-588B8BC8DBF2}"/>
-              </a:ext>
-            </a:extLst>
-          </p:cNvPr>
-          <p:cNvSpPr>
-            <a:spLocks noGrp="1"/>
-          </p:cNvSpPr>
-          <p:nvPr>
-            <p:ph type="subTitle" idx="1"/>
-          </p:nvPr>
-        </p:nvSpPr>
+              <a:t>Dämpfer-Berechnung</a:t>
+            </a:r>
+          </a:p>
+        </p:txBody>
+      </p:sp>
+      <p:pic>
+        <p:nvPicPr>
+          <p:cNvPr id="5" name="Inhaltsplatzhalter 4">
+            <a:extLst>
+              <a:ext uri="{FF2B5EF4-FFF2-40B4-BE49-F238E27FC236}">
+                <a16:creationId xmlns:a16="http://schemas.microsoft.com/office/drawing/2014/main" id="{26D7CEAC-0D5A-8E1F-381B-7BFEEEB8BD5D}"/>
+              </a:ext>
+            </a:extLst>
+          </p:cNvPr>
+          <p:cNvPicPr>
+            <a:picLocks noGrp="1" noChangeAspect="1"/>
+          </p:cNvPicPr>
+          <p:nvPr>
+            <p:ph idx="1"/>
+          </p:nvPr>
+        </p:nvPicPr>
+        <p:blipFill>
+          <a:blip r:embed="rId2"/>
+          <a:stretch>
+            <a:fillRect/>
+          </a:stretch>
+        </p:blipFill>
         <p:spPr>
           <a:xfrm>
-            <a:off x="8306511" y="5716173"/>
-            <a:ext cx="3375889" cy="607715"/>
+            <a:off x="6096000" y="1408293"/>
+            <a:ext cx="4341962" cy="5365068"/>
           </a:xfrm>
         </p:spPr>
-        <p:txBody>
-          <a:bodyPr/>
-          <a:lstStyle/>
-          <a:p>
-            <a:r>
-              <a:rPr lang="de-AT"/>
-              <a:t>Konrad J. / Schauer A.</a:t>
-            </a:r>
-            <a:endParaRPr lang="de-AT" dirty="0"/>
+      </p:pic>
+    </p:spTree>
+    <p:extLst>
+      <p:ext uri="{BB962C8B-B14F-4D97-AF65-F5344CB8AC3E}">
+        <p14:creationId xmlns:p14="http://schemas.microsoft.com/office/powerpoint/2010/main" val="25210787"/>
+      </p:ext>
+    </p:extLst>
+  </p:cSld>
+  <p:clrMapOvr>
+    <a:masterClrMapping/>
+  </p:clrMapOvr>
+</p:sld>
+</file>
+
+<file path=ppt/slides/slide5.xml><?xml version="1.0" encoding="utf-8"?>
+<p:sld xmlns:a="http://schemas.openxmlformats.org/drawingml/2006/main" xmlns:r="http://schemas.openxmlformats.org/officeDocument/2006/relationships" xmlns:p="http://schemas.openxmlformats.org/presentationml/2006/main">
+  <p:cSld>
+    <p:spTree>
+      <p:nvGrpSpPr>
+        <p:cNvPr id="1" name=""/>
+        <p:cNvGrpSpPr/>
+        <p:nvPr/>
+      </p:nvGrpSpPr>
+      <p:grpSpPr>
+        <a:xfrm>
+          <a:off x="0" y="0"/>
+          <a:ext cx="0" cy="0"/>
+          <a:chOff x="0" y="0"/>
+          <a:chExt cx="0" cy="0"/>
+        </a:xfrm>
+      </p:grpSpPr>
+      <p:sp>
+        <p:nvSpPr>
+          <p:cNvPr id="2" name="Titel 1">
+            <a:extLst>
+              <a:ext uri="{FF2B5EF4-FFF2-40B4-BE49-F238E27FC236}">
+                <a16:creationId xmlns:a16="http://schemas.microsoft.com/office/drawing/2014/main" id="{E1F16B3F-CCF3-BF50-186F-B315739FAE7E}"/>
+              </a:ext>
+            </a:extLst>
+          </p:cNvPr>
+          <p:cNvSpPr>
+            <a:spLocks noGrp="1"/>
+          </p:cNvSpPr>
+          <p:nvPr>
+            <p:ph type="title"/>
+          </p:nvPr>
+        </p:nvSpPr>
+        <p:spPr>
+          <a:xfrm>
+            <a:off x="665672" y="1098370"/>
+            <a:ext cx="10515600" cy="1325563"/>
+          </a:xfrm>
+        </p:spPr>
+        <p:txBody>
+          <a:bodyPr/>
+          <a:lstStyle/>
+          <a:p>
+            <a:r>
+              <a:rPr lang="de-AT" dirty="0"/>
+              <a:t>Windkraft auf Solar-Davits</a:t>
+            </a:r>
           </a:p>
         </p:txBody>
       </p:sp>
       <p:pic>
         <p:nvPicPr>
-          <p:cNvPr id="6" name="Grafik 5" descr="Ein Bild, das Wasser, draußen, Himmel, Transport enthält.">
-            <a:extLst>
-              <a:ext uri="{FF2B5EF4-FFF2-40B4-BE49-F238E27FC236}">
-                <a16:creationId xmlns:a16="http://schemas.microsoft.com/office/drawing/2014/main" id="{0765E8D8-0F9E-8E03-8C36-0252A02DF33A}"/>
+          <p:cNvPr id="5" name="Inhaltsplatzhalter 4">
+            <a:extLst>
+              <a:ext uri="{FF2B5EF4-FFF2-40B4-BE49-F238E27FC236}">
+                <a16:creationId xmlns:a16="http://schemas.microsoft.com/office/drawing/2014/main" id="{C2A90E63-C92A-FCB8-4B97-0D43F750D3A5}"/>
+              </a:ext>
+            </a:extLst>
+          </p:cNvPr>
+          <p:cNvPicPr>
+            <a:picLocks noGrp="1" noChangeAspect="1"/>
+          </p:cNvPicPr>
+          <p:nvPr>
+            <p:ph idx="1"/>
+          </p:nvPr>
+        </p:nvPicPr>
+        <p:blipFill>
+          <a:blip r:embed="rId2"/>
+          <a:stretch>
+            <a:fillRect/>
+          </a:stretch>
+        </p:blipFill>
+        <p:spPr>
+          <a:xfrm>
+            <a:off x="6764006" y="1408293"/>
+            <a:ext cx="5278322" cy="5199541"/>
+          </a:xfrm>
+        </p:spPr>
+      </p:pic>
+    </p:spTree>
+    <p:extLst>
+      <p:ext uri="{BB962C8B-B14F-4D97-AF65-F5344CB8AC3E}">
+        <p14:creationId xmlns:p14="http://schemas.microsoft.com/office/powerpoint/2010/main" val="1635771343"/>
+      </p:ext>
+    </p:extLst>
+  </p:cSld>
+  <p:clrMapOvr>
+    <a:masterClrMapping/>
+  </p:clrMapOvr>
+</p:sld>
+</file>
+
+<file path=ppt/slides/slide6.xml><?xml version="1.0" encoding="utf-8"?>
+<p:sld xmlns:a="http://schemas.openxmlformats.org/drawingml/2006/main" xmlns:r="http://schemas.openxmlformats.org/officeDocument/2006/relationships" xmlns:p="http://schemas.openxmlformats.org/presentationml/2006/main">
+  <p:cSld>
+    <p:spTree>
+      <p:nvGrpSpPr>
+        <p:cNvPr id="1" name=""/>
+        <p:cNvGrpSpPr/>
+        <p:nvPr/>
+      </p:nvGrpSpPr>
+      <p:grpSpPr>
+        <a:xfrm>
+          <a:off x="0" y="0"/>
+          <a:ext cx="0" cy="0"/>
+          <a:chOff x="0" y="0"/>
+          <a:chExt cx="0" cy="0"/>
+        </a:xfrm>
+      </p:grpSpPr>
+      <p:sp>
+        <p:nvSpPr>
+          <p:cNvPr id="2" name="Titel 1">
+            <a:extLst>
+              <a:ext uri="{FF2B5EF4-FFF2-40B4-BE49-F238E27FC236}">
+                <a16:creationId xmlns:a16="http://schemas.microsoft.com/office/drawing/2014/main" id="{E1F16B3F-CCF3-BF50-186F-B315739FAE7E}"/>
+              </a:ext>
+            </a:extLst>
+          </p:cNvPr>
+          <p:cNvSpPr>
+            <a:spLocks noGrp="1"/>
+          </p:cNvSpPr>
+          <p:nvPr>
+            <p:ph type="title"/>
+          </p:nvPr>
+        </p:nvSpPr>
+        <p:spPr>
+          <a:xfrm>
+            <a:off x="665672" y="1098370"/>
+            <a:ext cx="10515600" cy="1325563"/>
+          </a:xfrm>
+        </p:spPr>
+        <p:txBody>
+          <a:bodyPr/>
+          <a:lstStyle/>
+          <a:p>
+            <a:r>
+              <a:rPr lang="de-AT" dirty="0"/>
+              <a:t>Standgewicht Windgenerator &amp; Solar Reling</a:t>
+            </a:r>
+          </a:p>
+        </p:txBody>
+      </p:sp>
+      <p:pic>
+        <p:nvPicPr>
+          <p:cNvPr id="5" name="Inhaltsplatzhalter 4">
+            <a:extLst>
+              <a:ext uri="{FF2B5EF4-FFF2-40B4-BE49-F238E27FC236}">
+                <a16:creationId xmlns:a16="http://schemas.microsoft.com/office/drawing/2014/main" id="{EEF7F321-2B88-60AF-F6F2-50A2C887A031}"/>
+              </a:ext>
+            </a:extLst>
+          </p:cNvPr>
+          <p:cNvPicPr>
+            <a:picLocks noGrp="1" noChangeAspect="1"/>
+          </p:cNvPicPr>
+          <p:nvPr>
+            <p:ph idx="1"/>
+          </p:nvPr>
+        </p:nvPicPr>
+        <p:blipFill>
+          <a:blip r:embed="rId2"/>
+          <a:stretch>
+            <a:fillRect/>
+          </a:stretch>
+        </p:blipFill>
+        <p:spPr>
+          <a:xfrm>
+            <a:off x="665672" y="2146263"/>
+            <a:ext cx="4143555" cy="4504340"/>
+          </a:xfrm>
+        </p:spPr>
+      </p:pic>
+      <p:pic>
+        <p:nvPicPr>
+          <p:cNvPr id="7" name="Grafik 6">
+            <a:extLst>
+              <a:ext uri="{FF2B5EF4-FFF2-40B4-BE49-F238E27FC236}">
+                <a16:creationId xmlns:a16="http://schemas.microsoft.com/office/drawing/2014/main" id="{FD21A115-1C67-BFC1-4863-459C06B1966B}"/>
               </a:ext>
             </a:extLst>
           </p:cNvPr>
@@ -4610,22 +4928,16 @@
           </p:cNvPicPr>
           <p:nvPr/>
         </p:nvPicPr>
-        <p:blipFill rotWithShape="1">
-          <a:blip r:embed="rId2">
-            <a:alphaModFix amt="40000"/>
-            <a:extLst>
-              <a:ext uri="{28A0092B-C50C-407E-A947-70E740481C1C}">
-                <a14:useLocalDpi xmlns:a14="http://schemas.microsoft.com/office/drawing/2010/main" val="0"/>
-              </a:ext>
-            </a:extLst>
-          </a:blip>
-          <a:srcRect l="12443" t="31930" r="19667" b="11674"/>
-          <a:stretch/>
+        <p:blipFill>
+          <a:blip r:embed="rId3"/>
+          <a:stretch>
+            <a:fillRect/>
+          </a:stretch>
         </p:blipFill>
         <p:spPr>
           <a:xfrm>
-            <a:off x="0" y="1174458"/>
-            <a:ext cx="12192000" cy="5683542"/>
+            <a:off x="6096000" y="2146263"/>
+            <a:ext cx="4143555" cy="4465593"/>
           </a:xfrm>
           <a:prstGeom prst="rect">
             <a:avLst/>
@@ -4635,7 +4947,349 @@
     </p:spTree>
     <p:extLst>
       <p:ext uri="{BB962C8B-B14F-4D97-AF65-F5344CB8AC3E}">
-        <p14:creationId xmlns:p14="http://schemas.microsoft.com/office/powerpoint/2010/main" val="2107984865"/>
+        <p14:creationId xmlns:p14="http://schemas.microsoft.com/office/powerpoint/2010/main" val="3588947915"/>
+      </p:ext>
+    </p:extLst>
+  </p:cSld>
+  <p:clrMapOvr>
+    <a:masterClrMapping/>
+  </p:clrMapOvr>
+</p:sld>
+</file>
+
+<file path=ppt/slides/slide7.xml><?xml version="1.0" encoding="utf-8"?>
+<p:sld xmlns:a="http://schemas.openxmlformats.org/drawingml/2006/main" xmlns:r="http://schemas.openxmlformats.org/officeDocument/2006/relationships" xmlns:p="http://schemas.openxmlformats.org/presentationml/2006/main">
+  <p:cSld>
+    <p:spTree>
+      <p:nvGrpSpPr>
+        <p:cNvPr id="1" name=""/>
+        <p:cNvGrpSpPr/>
+        <p:nvPr/>
+      </p:nvGrpSpPr>
+      <p:grpSpPr>
+        <a:xfrm>
+          <a:off x="0" y="0"/>
+          <a:ext cx="0" cy="0"/>
+          <a:chOff x="0" y="0"/>
+          <a:chExt cx="0" cy="0"/>
+        </a:xfrm>
+      </p:grpSpPr>
+      <p:sp>
+        <p:nvSpPr>
+          <p:cNvPr id="2" name="Titel 1">
+            <a:extLst>
+              <a:ext uri="{FF2B5EF4-FFF2-40B4-BE49-F238E27FC236}">
+                <a16:creationId xmlns:a16="http://schemas.microsoft.com/office/drawing/2014/main" id="{E1F16B3F-CCF3-BF50-186F-B315739FAE7E}"/>
+              </a:ext>
+            </a:extLst>
+          </p:cNvPr>
+          <p:cNvSpPr>
+            <a:spLocks noGrp="1"/>
+          </p:cNvSpPr>
+          <p:nvPr>
+            <p:ph type="title"/>
+          </p:nvPr>
+        </p:nvSpPr>
+        <p:spPr>
+          <a:xfrm>
+            <a:off x="665672" y="1098370"/>
+            <a:ext cx="10515600" cy="1325563"/>
+          </a:xfrm>
+        </p:spPr>
+        <p:txBody>
+          <a:bodyPr/>
+          <a:lstStyle/>
+          <a:p>
+            <a:r>
+              <a:rPr lang="de-AT" dirty="0"/>
+              <a:t>Feder-Berechnung (Solar Davits)</a:t>
+            </a:r>
+          </a:p>
+        </p:txBody>
+      </p:sp>
+      <p:pic>
+        <p:nvPicPr>
+          <p:cNvPr id="5" name="Inhaltsplatzhalter 4">
+            <a:extLst>
+              <a:ext uri="{FF2B5EF4-FFF2-40B4-BE49-F238E27FC236}">
+                <a16:creationId xmlns:a16="http://schemas.microsoft.com/office/drawing/2014/main" id="{E3F1CFD1-FDF3-CF9A-1984-11E8FB9A0B91}"/>
+              </a:ext>
+            </a:extLst>
+          </p:cNvPr>
+          <p:cNvPicPr>
+            <a:picLocks noGrp="1" noChangeAspect="1"/>
+          </p:cNvPicPr>
+          <p:nvPr>
+            <p:ph idx="1"/>
+          </p:nvPr>
+        </p:nvPicPr>
+        <p:blipFill>
+          <a:blip r:embed="rId2"/>
+          <a:stretch>
+            <a:fillRect/>
+          </a:stretch>
+        </p:blipFill>
+        <p:spPr>
+          <a:xfrm>
+            <a:off x="665671" y="2058089"/>
+            <a:ext cx="3802811" cy="4769508"/>
+          </a:xfrm>
+        </p:spPr>
+      </p:pic>
+      <p:pic>
+        <p:nvPicPr>
+          <p:cNvPr id="7" name="Grafik 6">
+            <a:extLst>
+              <a:ext uri="{FF2B5EF4-FFF2-40B4-BE49-F238E27FC236}">
+                <a16:creationId xmlns:a16="http://schemas.microsoft.com/office/drawing/2014/main" id="{6E1E29F0-B634-1650-5856-ED565B429445}"/>
+              </a:ext>
+            </a:extLst>
+          </p:cNvPr>
+          <p:cNvPicPr>
+            <a:picLocks noChangeAspect="1"/>
+          </p:cNvPicPr>
+          <p:nvPr/>
+        </p:nvPicPr>
+        <p:blipFill>
+          <a:blip r:embed="rId3"/>
+          <a:stretch>
+            <a:fillRect/>
+          </a:stretch>
+        </p:blipFill>
+        <p:spPr>
+          <a:xfrm>
+            <a:off x="5193025" y="2058089"/>
+            <a:ext cx="3802811" cy="4780885"/>
+          </a:xfrm>
+          <a:prstGeom prst="rect">
+            <a:avLst/>
+          </a:prstGeom>
+        </p:spPr>
+      </p:pic>
+    </p:spTree>
+    <p:extLst>
+      <p:ext uri="{BB962C8B-B14F-4D97-AF65-F5344CB8AC3E}">
+        <p14:creationId xmlns:p14="http://schemas.microsoft.com/office/powerpoint/2010/main" val="238731707"/>
+      </p:ext>
+    </p:extLst>
+  </p:cSld>
+  <p:clrMapOvr>
+    <a:masterClrMapping/>
+  </p:clrMapOvr>
+</p:sld>
+</file>
+
+<file path=ppt/slides/slide8.xml><?xml version="1.0" encoding="utf-8"?>
+<p:sld xmlns:a="http://schemas.openxmlformats.org/drawingml/2006/main" xmlns:r="http://schemas.openxmlformats.org/officeDocument/2006/relationships" xmlns:p="http://schemas.openxmlformats.org/presentationml/2006/main">
+  <p:cSld>
+    <p:spTree>
+      <p:nvGrpSpPr>
+        <p:cNvPr id="1" name=""/>
+        <p:cNvGrpSpPr/>
+        <p:nvPr/>
+      </p:nvGrpSpPr>
+      <p:grpSpPr>
+        <a:xfrm>
+          <a:off x="0" y="0"/>
+          <a:ext cx="0" cy="0"/>
+          <a:chOff x="0" y="0"/>
+          <a:chExt cx="0" cy="0"/>
+        </a:xfrm>
+      </p:grpSpPr>
+      <p:sp>
+        <p:nvSpPr>
+          <p:cNvPr id="2" name="Titel 1">
+            <a:extLst>
+              <a:ext uri="{FF2B5EF4-FFF2-40B4-BE49-F238E27FC236}">
+                <a16:creationId xmlns:a16="http://schemas.microsoft.com/office/drawing/2014/main" id="{E1F16B3F-CCF3-BF50-186F-B315739FAE7E}"/>
+              </a:ext>
+            </a:extLst>
+          </p:cNvPr>
+          <p:cNvSpPr>
+            <a:spLocks noGrp="1"/>
+          </p:cNvSpPr>
+          <p:nvPr>
+            <p:ph type="title"/>
+          </p:nvPr>
+        </p:nvSpPr>
+        <p:spPr>
+          <a:xfrm>
+            <a:off x="665672" y="1098370"/>
+            <a:ext cx="10515600" cy="1325563"/>
+          </a:xfrm>
+        </p:spPr>
+        <p:txBody>
+          <a:bodyPr/>
+          <a:lstStyle/>
+          <a:p>
+            <a:r>
+              <a:rPr lang="de-AT" dirty="0"/>
+              <a:t>Biegung </a:t>
+            </a:r>
+            <a:r>
+              <a:rPr lang="de-AT" dirty="0" err="1"/>
+              <a:t>fixierung</a:t>
+            </a:r>
+            <a:r>
+              <a:rPr lang="de-AT" dirty="0"/>
+              <a:t> Windgenerator</a:t>
+            </a:r>
+          </a:p>
+        </p:txBody>
+      </p:sp>
+      <p:pic>
+        <p:nvPicPr>
+          <p:cNvPr id="5" name="Inhaltsplatzhalter 4">
+            <a:extLst>
+              <a:ext uri="{FF2B5EF4-FFF2-40B4-BE49-F238E27FC236}">
+                <a16:creationId xmlns:a16="http://schemas.microsoft.com/office/drawing/2014/main" id="{9DEB7FD0-E9DA-3E55-1D91-49515A29DA58}"/>
+              </a:ext>
+            </a:extLst>
+          </p:cNvPr>
+          <p:cNvPicPr>
+            <a:picLocks noGrp="1" noChangeAspect="1"/>
+          </p:cNvPicPr>
+          <p:nvPr>
+            <p:ph idx="1"/>
+          </p:nvPr>
+        </p:nvPicPr>
+        <p:blipFill>
+          <a:blip r:embed="rId2"/>
+          <a:stretch>
+            <a:fillRect/>
+          </a:stretch>
+        </p:blipFill>
+        <p:spPr>
+          <a:xfrm>
+            <a:off x="665671" y="2144353"/>
+            <a:ext cx="4337649" cy="4635410"/>
+          </a:xfrm>
+        </p:spPr>
+      </p:pic>
+      <p:pic>
+        <p:nvPicPr>
+          <p:cNvPr id="7" name="Grafik 6">
+            <a:extLst>
+              <a:ext uri="{FF2B5EF4-FFF2-40B4-BE49-F238E27FC236}">
+                <a16:creationId xmlns:a16="http://schemas.microsoft.com/office/drawing/2014/main" id="{9A3FE5BD-4E8A-B203-C634-1A86A5B0E989}"/>
+              </a:ext>
+            </a:extLst>
+          </p:cNvPr>
+          <p:cNvPicPr>
+            <a:picLocks noChangeAspect="1"/>
+          </p:cNvPicPr>
+          <p:nvPr/>
+        </p:nvPicPr>
+        <p:blipFill>
+          <a:blip r:embed="rId3"/>
+          <a:stretch>
+            <a:fillRect/>
+          </a:stretch>
+        </p:blipFill>
+        <p:spPr>
+          <a:xfrm>
+            <a:off x="5331047" y="2144353"/>
+            <a:ext cx="4425427" cy="4620790"/>
+          </a:xfrm>
+          <a:prstGeom prst="rect">
+            <a:avLst/>
+          </a:prstGeom>
+        </p:spPr>
+      </p:pic>
+    </p:spTree>
+    <p:extLst>
+      <p:ext uri="{BB962C8B-B14F-4D97-AF65-F5344CB8AC3E}">
+        <p14:creationId xmlns:p14="http://schemas.microsoft.com/office/powerpoint/2010/main" val="1110317365"/>
+      </p:ext>
+    </p:extLst>
+  </p:cSld>
+  <p:clrMapOvr>
+    <a:masterClrMapping/>
+  </p:clrMapOvr>
+</p:sld>
+</file>
+
+<file path=ppt/slides/slide9.xml><?xml version="1.0" encoding="utf-8"?>
+<p:sld xmlns:a="http://schemas.openxmlformats.org/drawingml/2006/main" xmlns:r="http://schemas.openxmlformats.org/officeDocument/2006/relationships" xmlns:p="http://schemas.openxmlformats.org/presentationml/2006/main">
+  <p:cSld>
+    <p:spTree>
+      <p:nvGrpSpPr>
+        <p:cNvPr id="1" name=""/>
+        <p:cNvGrpSpPr/>
+        <p:nvPr/>
+      </p:nvGrpSpPr>
+      <p:grpSpPr>
+        <a:xfrm>
+          <a:off x="0" y="0"/>
+          <a:ext cx="0" cy="0"/>
+          <a:chOff x="0" y="0"/>
+          <a:chExt cx="0" cy="0"/>
+        </a:xfrm>
+      </p:grpSpPr>
+      <p:sp>
+        <p:nvSpPr>
+          <p:cNvPr id="2" name="Titel 1">
+            <a:extLst>
+              <a:ext uri="{FF2B5EF4-FFF2-40B4-BE49-F238E27FC236}">
+                <a16:creationId xmlns:a16="http://schemas.microsoft.com/office/drawing/2014/main" id="{E1F16B3F-CCF3-BF50-186F-B315739FAE7E}"/>
+              </a:ext>
+            </a:extLst>
+          </p:cNvPr>
+          <p:cNvSpPr>
+            <a:spLocks noGrp="1"/>
+          </p:cNvSpPr>
+          <p:nvPr>
+            <p:ph type="title"/>
+          </p:nvPr>
+        </p:nvSpPr>
+        <p:spPr>
+          <a:xfrm>
+            <a:off x="665672" y="1098370"/>
+            <a:ext cx="10515600" cy="1325563"/>
+          </a:xfrm>
+        </p:spPr>
+        <p:txBody>
+          <a:bodyPr/>
+          <a:lstStyle/>
+          <a:p>
+            <a:endParaRPr lang="de-AT" dirty="0"/>
+          </a:p>
+        </p:txBody>
+      </p:sp>
+      <p:sp>
+        <p:nvSpPr>
+          <p:cNvPr id="3" name="Inhaltsplatzhalter 2">
+            <a:extLst>
+              <a:ext uri="{FF2B5EF4-FFF2-40B4-BE49-F238E27FC236}">
+                <a16:creationId xmlns:a16="http://schemas.microsoft.com/office/drawing/2014/main" id="{F2A2F155-DB45-00CC-FA44-34998AF66E19}"/>
+              </a:ext>
+            </a:extLst>
+          </p:cNvPr>
+          <p:cNvSpPr>
+            <a:spLocks noGrp="1"/>
+          </p:cNvSpPr>
+          <p:nvPr>
+            <p:ph idx="1"/>
+          </p:nvPr>
+        </p:nvSpPr>
+        <p:spPr>
+          <a:xfrm>
+            <a:off x="665672" y="2506662"/>
+            <a:ext cx="10515600" cy="4351338"/>
+          </a:xfrm>
+        </p:spPr>
+        <p:txBody>
+          <a:bodyPr/>
+          <a:lstStyle/>
+          <a:p>
+            <a:endParaRPr lang="de-AT"/>
+          </a:p>
+        </p:txBody>
+      </p:sp>
+    </p:spTree>
+    <p:extLst>
+      <p:ext uri="{BB962C8B-B14F-4D97-AF65-F5344CB8AC3E}">
+        <p14:creationId xmlns:p14="http://schemas.microsoft.com/office/powerpoint/2010/main" val="3963507375"/>
       </p:ext>
     </p:extLst>
   </p:cSld>
